--- a/PYTHON notes.pptx
+++ b/PYTHON notes.pptx
@@ -145,6 +145,106 @@
 </p:presentation>
 </file>
 
+<file path=ppt/ink/ink1.xml><?xml version="1.0" encoding="utf-8"?>
+<inkml:ink xmlns:inkml="http://www.w3.org/2003/InkML">
+  <inkml:definitions>
+    <inkml:context xml:id="ctx0">
+      <inkml:inkSource xml:id="inkSrc0">
+        <inkml:traceFormat>
+          <inkml:channel name="X" type="integer" max="2646" units="cm"/>
+          <inkml:channel name="Y" type="integer" max="1024" units="cm"/>
+          <inkml:channel name="T" type="integer" max="2.14748E9" units="dev"/>
+        </inkml:traceFormat>
+        <inkml:channelProperties>
+          <inkml:channelProperty channel="X" name="resolution" value="76.9186" units="1/cm"/>
+          <inkml:channelProperty channel="Y" name="resolution" value="52.7835" units="1/cm"/>
+          <inkml:channelProperty channel="T" name="resolution" value="1" units="1/dev"/>
+        </inkml:channelProperties>
+      </inkml:inkSource>
+      <inkml:timestamp xml:id="ts0" timeString="2022-03-31T08:06:41.422"/>
+    </inkml:context>
+    <inkml:brush xml:id="br0">
+      <inkml:brushProperty name="width" value="0.05292" units="cm"/>
+      <inkml:brushProperty name="height" value="0.05292" units="cm"/>
+      <inkml:brushProperty name="color" value="#FF0000"/>
+    </inkml:brush>
+  </inkml:definitions>
+  <inkml:trace contextRef="#ctx0" brushRef="#br0">4895 13796 0,'0'0'0,"-80"0"16,40 0-16,-40 0 15,40 0 1,0 0-16,-1 0 62,1 0-46,-40 0-16,40 80 16,0 0-1,0-80-15,40 40 16,0 0-16,0 0 15,0 0 1,0 1-16,0 39 16,0-40-1,40 0-15,0 40 16,80 0-16,1 1 16,-41-1-16,40-40 15,41 0-15,120 40 16,-161-80-16,81 40 15,-41 0-15,1 1 16,-1-41-16,-39 0 16,39 0-16,-80 0 15,41 0-15,-41 0 16,0 0-16,-40 0 16,41 0-16,-1 0 15,-40-41 1,40 1-16,-40 40 15,0 0 1,1-40-16,-1 40 16,40-40-16,0 0 15,1 0-15,-1 40 16,0-80-16,-40 80 16,0 0-16,-40-40 15,40 0 1,1-1-16,-41 1 15,0 0-15,0-40 16,40 40-16,-40 0 16,0-40-1,0 39 1,0 1 0,-40-40-16,-41 40 15,-39 0-15,40 0 16,-41 0-16,-39 0 15,79 0-15,1 40 16,40 0-16,-40 0 16,-41 0-16,41 0 15,-80-41-15,39 41 16,1 0-16,0 0 16,-121 0-1,120 0-15,1 0 16,0 0-16,80 0 15,-41 0-15,1 0 16,0 0-16,0 0 16,-1 41-16,1-1 15,0-40-15,0 0 16,-1 0-16,41 0 16,-40 0-16,0 0 15,40 0-15,-1 40 16,1-40-16,0 0 15,0 0-15,0 0 16,0 40 0,0-40-1,0 0 110</inkml:trace>
+  <inkml:trace contextRef="#ctx0" brushRef="#br0" timeOffset="5245.0193">18378 6657 0,'80'0'172,"161"0"-172,-40 0 16,-1 0-16,-39 0 16,79 0-16,-39 0 15,-40 0-15,-41 0 16,0 0-16,-39 0 15,-41-40-15,0 40 16,0 0 0,0 0-16,0 0 15,0 0-15,0 0 16,1 0 0,-1 0-16,0 0 15,0 0 1,0 0-16,40 0 15,1 0-15,39 0 16,0 0-16,1 0 16,39 0-16,-39 0 15,-1 0-15,0 0 16,-39 0-16,-1 0 16,0 0-16,41 0 15,-1 0-15,-40 0 16,81 0-16,-1 0 15,41 0-15,-41 0 16,-39 0-16,-1 0 16,0 0-16,1 0 15,-41 0-15,40 0 16,-79 0-16,-1 0 16,40 0-16,-40 0 15,0 0 1,0 0-16,0 0 15,41 0 1,-1 0-16,0 0 16,41 0-16,-1 0 15,81 0-15,-41 0 16,-40 0 0,1 0-16,-1 0 15,1 0-15,-81 0 16,40 0-16,-40 0 15,40-40-15,-39 40 32</inkml:trace>
+  <inkml:trace contextRef="#ctx0" brushRef="#br0" timeOffset="7068.5584">4615 7539 0,'40'0'156,"80"0"-156,41 0 16,79 0-16,1 0 15,160 0-15,-160 0 16,-121 0-16,-39 0 15,39 0-15,-40 0 16,1 0 0,-41 0-16,120 0 15,-39 0-15,-1 0 16,0 0-16,1-40 16,-81 40-16,0 0 15,0 0 32,0 0-31,81 0-16,-1 0 15,41 0-15,-121 0 16,120 0-16,-80 0 16,1 0-16,39 0 15,-40 0-15,-40 0 16,1 0-1,39 0-15,-40 0 16,40 0-16,-40 0 16,0 0-16,1 0 15,-1 0-15,40 0 16,-40 0-16,0 0 16,81 0-16,-81 0 15,80 0-15,-40 0 16,1 0-16,-41 0 15,40 0-15,-40 0 16,0 0 0,0 0-1</inkml:trace>
+  <inkml:trace contextRef="#ctx0" brushRef="#br0" timeOffset="10404.6399">10794 10587 0,'0'0'0,"120"0"0,-39 0 16,-41 0-16,0 0 16,0 40 171,0-40-187,-40 40 16,80 41-1,-80-41-15,41 80 16,-1-120-16,-40 40 16,0 0-16,0 0 15,0 41-15,0-41 16,-81 80-16,1 40 15,40-39-15,-40-41 16,0 40-16,39-80 16,1 41-16,-40-41 15,40 0-15,-81 0 16,1 80-16,80-120 16,-80 80-16,-1-80 15,41 0-15,-40 0 16,39 0-16,1 0 15,0 0-15,40 0 16,0 0-16,-1 0 16,1 41-1,0-41 1,-40 0-16,40 40 16,0-40-16,-41 0 15,41 40-15,0-40 16</inkml:trace>
+  <inkml:trace contextRef="#ctx0" brushRef="#br0" timeOffset="11757.4346">9510 11951 0,'-40'0'16,"-40"80"-16,80-40 16,-81 40-16,41-40 15,-40 41-15,40-1 16,-81 40-16,41-40 15,40-40-15,0 1 16,0-41-16,40 40 47,80-40 47,0 0-94,1 0 15,39 0-15,-80 0 16,40 0-16,-40 0 16</inkml:trace>
+  <inkml:trace contextRef="#ctx0" brushRef="#br0" timeOffset="25908.4492">5927 13176 0,'0'26'187,"26"1"-171,27-1-16,0 1 16,0-1-16,-27 1 15,1-27-15,-1 26 16,1-26 46,26 0-46,-27 0 0,27 0-1,0 0 1,-27 0 62,1 0-62,26 0-16,-27 27 15,27-1-15,-26-26 16</inkml:trace>
+  <inkml:trace contextRef="#ctx0" brushRef="#br0" timeOffset="27557.4401">14605 9525 0,'-26'0'47,"-1"79"-47,1 27 16,26 53-16,0-1 15,0 1-15,0 0 16,0-53-16,0-27 15,0 0-15,26-52 16,1-1-16,-1 1 16,0-1-1,27-26 1,0 0-16,-26 0 16,52-26-16,-26-27 15,0-26-15,0-1 16,-53 1-16,26-1 15</inkml:trace>
+  <inkml:trace contextRef="#ctx0" brushRef="#br0" timeOffset="27901.1862">14393 8916 0,'0'0'0,"0"-26"16,0-1-16,0 1 15,0-1-15,0 1 16</inkml:trace>
+  <inkml:trace contextRef="#ctx0" brushRef="#br0" timeOffset="28292.5919">15399 9578 0,'26'0'62,"27"0"-46,53 0-16,-53 0 16,53 0-16,-53 0 15,-27 0-15</inkml:trace>
+  <inkml:trace contextRef="#ctx0" brushRef="#br0" timeOffset="28589.4058">15187 10133 0,'27'0'31,"25"0"-31,54 0 16,27 0-16,-54 0 15,53 0-15,-26-26 16,0 26-16,0-27 15,0 27-15,-1-26 16,1-1-16,-26 1 16</inkml:trace>
+  <inkml:trace contextRef="#ctx0" brushRef="#br0" timeOffset="28964.5083">17013 9498 0,'26'132'31,"1"80"-15,-27 0-16,0 0 15,0-1-15,0-26 16,0-26-16,0-53 16,0-27-16,0 1 15,0 26-15,0-54 16,0 28-16,0-27 15,0 26-15,0-52 16,0-1-16,0 1 16</inkml:trace>
+  <inkml:trace contextRef="#ctx0" brushRef="#br0" timeOffset="30381.2371">14737 12435 0,'0'106'31,"-79"53"-15,52-1-16,27-25 15,0-27-15,0-80 16,0 53-16,0-52 15,0-1-15,0 1 16,27-27 31,26 0-47,0-27 16,26-52-16,0 26 15,-26-26-15,-53-1 16,27 1-16,-1-27 15,-26 0 1,0 27-16,0-1 16,0-52-16,0 53 15,0 26-15,0-53 16,0 27-16,0 52 16</inkml:trace>
+  <inkml:trace contextRef="#ctx0" brushRef="#br0" timeOffset="30661.2505">14949 11800 0,'0'-26'94</inkml:trace>
+  <inkml:trace contextRef="#ctx0" brushRef="#br0" timeOffset="32517.4932">15796 12409 0,'53'0'125,"105"0"-125,-78 0 15,-27 0-15,-27 0 16,27-27-16,0 27 16,-53-26-16</inkml:trace>
+  <inkml:trace contextRef="#ctx0" brushRef="#br0" timeOffset="32964.4335">15716 13044 0,'106'0'78,"26"0"-62,1 0-16,-28 0 15,81 0-15,-80 0 16,-27 0-16,-53 0 16</inkml:trace>
+  <inkml:trace contextRef="#ctx0" brushRef="#br0" timeOffset="35388.6572">17754 12170 0,'26'0'31,"53"0"-31,1 0 16,-27-26-16,-27 26 16,1 0-16,-1 0 15,27 0 32,26 0-31,-52 0-16,26 53 15,-27-27-15,27 54 16,-53-54 0,0 54-16,0-1 15,0 27-15,0-80 16,-26 80-16,-1-53 16,1 0-16,26 0 15,-27-27-15,27 1 16,-26 52-16,-27-26 15,26 0-15,1-27 16,26 1-16,-26 52 16,-1-52-16,27 26 15,0-27-15,0 53 16,0-52-16,0-1 16,0 1-16,0-1 15,0 1 1,132-27 46,54 0-46,-81 0-16,-25-27 16,-1 1-16,0-1 15,-52 27-15,-1 0 16</inkml:trace>
+  <inkml:trace contextRef="#ctx0" brushRef="#br0" timeOffset="36820.966">15081 14763 0,'0'106'31,"0"27"-15,0 25 0,0-25-16,0-1 15,0-53-15,0 54 16,0-54-16,53 53 15,-53-105-15,0-1 16,0 1-16,27-27 47,26 0-31,52 0-16,-25-27 15,-54 27-15,80-53 16,-79 27-16,52-54 15,-53 54-15,-26-53 16</inkml:trace>
+  <inkml:trace contextRef="#ctx0" brushRef="#br0" timeOffset="37125.2892">15134 14261 0,'27'0'62,"52"-53"-46,0 26-16</inkml:trace>
+  <inkml:trace contextRef="#ctx0" brushRef="#br0" timeOffset="37623.1573">16060 15160 0,'27'-26'16,"-1"26"-16,1 0 15,25-27-15,1 27 16,-26-26-16,26-1 15,0 27-15,0 0 16,-53-26-16,26 26 16</inkml:trace>
+  <inkml:trace contextRef="#ctx0" brushRef="#br0" timeOffset="37956.7882">16298 15451 0,'27'0'78,"52"0"-78,-26 0 15,-26 0-15,78 0 16,-25 0-16</inkml:trace>
+  <inkml:trace contextRef="#ctx0" brushRef="#br0" timeOffset="38877.2046">17436 15054 0,'53'-26'16,"79"-53"-16,1 26 15,25-53-15,1 26 16,-27 28-16,-52-1 15,-27 53 1,-27 0-16,1 26 47,-1 27-47,0 0 16,27 26-16,-26 27 15,-27-26-15,0 25 16,0-25-16,0-1 15,0 27-15,-53-27 16,26-52-16,1 26 16,-27-27-16,0 27 15,27-53-15,-1 0 63,80 0-32,0 0-15,0 0-16,0 0 15,0 0-15,0 0 16,-53 27 15,26 25-31,-26-25 16,0-1-16,0 1 15,0 26-15,0 0 16,0-27 0,0 1-16,-53-1 15,-53 27-15,1-27 16,-1 1-16,-79-27 16,52 26-16,1-26 15,-53 0-15,79 0 16,-26-79-16,52 26 15,1 27-15,52-1 16,1 1-16,0 26 16,-1 0-16,1-27 15,-1 27-15,-52 0 16,52 0-16</inkml:trace>
+  <inkml:trace contextRef="#ctx0" brushRef="#br0" timeOffset="40516.1815">17754 14340 0,'0'0'0,"-53"0"16,-53 0-16,-27 0 15,-25 0-15,-1 27 16,53 52-16,27-53 15,26 1-15,-26 26 16,79-27-16,-53 54 16,0-1-16,53 27 15,-27-27-15,1 80 16,26-27-16,0 1 16,0-28-16,0 1 15,0 0-15,0 26 16,0 27-16,0-53 15,0 53-15,53-54 16,26 28-16,-52-54 16,52 53-16,-26-52 15,0-1-15,0-52 16,-27-1-16,53 1 16,1 25-1,-1-52-15,-26 0 16,26 0-16,-26 0 15,27 0-15,52 27 16,-26-27-16,0 0 16,26 0-16,80 0 15,-106 0-15,-54 0 16,28-27-16,-1 1 16,1-27-16,-1 27 15,27-54-15,-53 27 16,26-26-16,-26-27 15,0 53-15,-53 0 16,26-26-16,1 0 16,-27-27-16,26-27 15,-26 80-15,27-79 16,-1 53-16,-26 26 16,53-53-16,-53 27 15,0-1-15,0-52 16,0 53-16,0-1 15,0 27-15,0 27 16,0-1-16,0 1 16,0 0-1,0-1 1,-26 1-16,-1-1 16,1 27-16,-1-26 15,-52-1-15,52 1 16,-25-27-16,-1 26 15,-27-26-15,27 27 16,-26-27-16,0 53 16,26-26-16,-27-1 15,27 1-15,0-1 16,27 1-16,-80-1 16,27-26-16,-1 27 15,1-27-15,0 53 16,26-53-16,26 53 15,1 0-15,-27 0 16,26-26-16,1 26 16</inkml:trace>
+  <inkml:trace contextRef="#ctx0" brushRef="#br0" timeOffset="43588.3794">16695 15901 0,'0'27'31,"0"-1"-15,0 0-16,0 27 15,0-26-15,-26-1 16,-1 1-16,1 52 16,-1-26-16,1-53 15,-53 106-15,52-53 16,-26 53-16,-26 0 15,-1-27-15,1 0 16,0 1-16,-1-1 16,27-26-16,-52 0 15,52-27-15,0 1 16,-53 26-16,53-53 16,-79 26-1,-1-26-15,28 27 16,-1-27-16,-27 26 15,54 0-15,-27-26 16,-53 0-16,54 0 16,-1 0-16,0 0 15,-26 0-15,-1-52 16,54 25-16,-27-26 16,53 27-16,-26-27 15,26 26-15,-53-26 16,53 1-16,0-1 15,-53-27-15,27 1 16,-53-27-16,26 27 16,0-1-16,27 1 15,-1 26-15,1 0 16,0-53-16,-1 0 16,1 53-16,-27-52 15,-26-54-15,-53 0 16,-80-79-16,27 79 15,132 53-15,-26 54 16,79-1-16,-27-27 16,1 1-16,0-1 15,-1 28 1,1-28-16,-27-26 16,27 53-16,-27-26 15,53 26-15,-79-26 16,52 26-16,27-26 15,-26 26-15,53 53 16,-1-27-16,-79-52 16,27 26-16,52 0 15,-52 26-15,26-25 16,-26 25-16,-27-26 16,53 0-16,0 0 15,0 53-15,27 0 16,-1-26-1,1 26 1,-1-27-16,1 27 16,-53-26-16,26 26 15,0-27-15,0 1 16,0 26-16,-27-53 16,-25 27-16,25-1 15,27 27-15,27 0 16,-27-26-1,0 26-15,0-27 0,27 27 16,-27 0 0,26 0-16,1 0 15,-1 0 17,1 0-32,-27 0 15,27 0-15,-1 0 16</inkml:trace>
+  <inkml:trace contextRef="#ctx0" brushRef="#br0" timeOffset="44157.2504">8202 13176 0,'0'26'172,"0"1"-156,0-1-16,0 27 15,0-26-15</inkml:trace>
+  <inkml:trace contextRef="#ctx0" brushRef="#br0" timeOffset="44732.8862">8202 13335 0,'27'0'62,"-1"0"-46,0 0-1,-26-27 1,27 27-16,-1 0 16,1-26-1,-1 26 1,1 0-16,26-27 16,-27 1-1,27 26 1,-27-27-16,1 27 15,52 0 1,-52-26-16,52 26 16,-52-27-16,-1 27 15,1 0-15</inkml:trace>
+  <inkml:trace contextRef="#ctx0" brushRef="#br0" timeOffset="45677.2553">8334 13361 0,'0'27'78,"0"-1"-78,0 53 16,27 54-16,-1-54 16,1 0-16,-27 27 15,26-53-15,-26 0 16,27 27-16,-27-54 15,26 0-15</inkml:trace>
+  <inkml:trace contextRef="#ctx0" brushRef="#br0" timeOffset="50500.6614">5345 14049 0,'0'0'0</inkml:trace>
+</inkml:ink>
+</file>
+
+<file path=ppt/ink/ink2.xml><?xml version="1.0" encoding="utf-8"?>
+<inkml:ink xmlns:inkml="http://www.w3.org/2003/InkML">
+  <inkml:definitions>
+    <inkml:context xml:id="ctx0">
+      <inkml:inkSource xml:id="inkSrc0">
+        <inkml:traceFormat>
+          <inkml:channel name="X" type="integer" max="2646" units="cm"/>
+          <inkml:channel name="Y" type="integer" max="1024" units="cm"/>
+          <inkml:channel name="T" type="integer" max="2.14748E9" units="dev"/>
+        </inkml:traceFormat>
+        <inkml:channelProperties>
+          <inkml:channelProperty channel="X" name="resolution" value="76.9186" units="1/cm"/>
+          <inkml:channelProperty channel="Y" name="resolution" value="52.7835" units="1/cm"/>
+          <inkml:channelProperty channel="T" name="resolution" value="1" units="1/dev"/>
+        </inkml:channelProperties>
+      </inkml:inkSource>
+      <inkml:timestamp xml:id="ts0" timeString="2022-03-31T08:08:13.547"/>
+    </inkml:context>
+    <inkml:brush xml:id="br0">
+      <inkml:brushProperty name="width" value="0.05292" units="cm"/>
+      <inkml:brushProperty name="height" value="0.05292" units="cm"/>
+      <inkml:brushProperty name="color" value="#FF0000"/>
+    </inkml:brush>
+  </inkml:definitions>
+  <inkml:trace contextRef="#ctx0" brushRef="#br0">24878 9063 0,'0'0'0,"-160"-40"0,-41 0 16,-40-40-16,-39-41 15,-322 41-15,241 40 16,-1 0-16,162 40 15,-121 0-15,200 0 16,-119 0-16,-81 80 16,120 41-16,121-81 15,-41 80-15,81-80 16,0 80-16,0 1 16,40 39-1,-40-40-15,40 1 16,0 39-16,0-39 15,0-1-15,0-40 16,80 0-16,-40-40 16,40 0-16,-39-40 15,-1 0 1,40 0-16,40-40 16,41-40-16,-1-80 15,1 39-15,-41-79 16,-39 39-16,-1 1 15,0-40-15,0-41 16,-80 40-16,0-39 16,0 79-16,0 1 15,0-1-15,0 41 16,0 40-16,0-40 16,0 39-16,0 1 15,0 0-15,0 40 16,-40-40-16</inkml:trace>
+  <inkml:trace contextRef="#ctx0" brushRef="#br0" timeOffset="1143.3137">22952 9946 0,'81'0'62,"79"0"-62,-120 0 16,81 0-16,-41 0 15,0-41-15,0 1 16,41 0 0,-81 40-16,0-40 0,80-40 15,-39 0 1,-1 40-16,40-81 15,1 41-15,-81 0 16,40-81-16,-40 81 16,0-80-16,-40 120 15,0-81-15,0 81 16,0-80-16,0 40 16,0 40-16,0-41 15,0 1-15,-40 0 16,-40 40-16,40 0 15,40 0-15,-40 40 16,-1-40 0,1 40-16,-40 0 15,40 0-15,-40 0 16,-41 0-16,81 0 16,-80 40-16,-1 0 15,-79 40-15,120-40 16,-41 40-16,81 1 15,0-41-15,0 40 16,40 0-16,0 0 16,0 0-16,-40 41 15,40-41 1,0 80-16,0-119 16,40 119-16,-40-80 15,80 0-15,-40 41 16,0-1-16,81-40 15,-81 0-15,0 1 16,0-41-16,80 0 16,-39 0-16,-41-40 15,0 0-15,40 0 16,-40 0-16,0 0 16,1 0-1,-1 0 1,0 0-1,0 0-15,40-40 16,-40 40 0,0 0-1,1-40-15,-41 0 16,40 40 0</inkml:trace>
+  <inkml:trace contextRef="#ctx0" brushRef="#br0" timeOffset="2128.2227">26443 7018 0,'0'0'0,"-160"0"16,-1 0-16,-39 0 16,-1 0-16,81 0 15,-1 40-15,41 0 16,0 0-16,80 40 15,-40-40-15,-1 41 16,41-1 0,0 40-16,0-40 15,0 81-15,0-1 16,0-39-16,0-1 16,0 0-16,0-40 15,0 81-15,41-81 16,-1 0-16,-40 0 15,0-39-15,40 39 16,-40-40-16,0 0 16,0 0-16,0 0 15,40 40-15,-40-39 16,0-1-16,0 0 16,0 40-16,0 0 15,0-40 1,-40-40-16,40 40 15,-40-40-15,40 40 16,-81-40 31,41 0-47</inkml:trace>
+  <inkml:trace contextRef="#ctx0" brushRef="#br0" timeOffset="2575.4877">24798 8542 0,'40'-40'0,"0"0"15,0 40-15,41-40 16,-41-1-1,40 1-15,-40 40 16,40 0-16,-39-40 16,39 0-1,-40 40-15,40-40 16,1 40-16,-41 0 16,-40-40-1</inkml:trace>
+  <inkml:trace contextRef="#ctx0" brushRef="#br0" timeOffset="3623.6687">21508 11790 0,'240'-40'109,"202"-40"-109,39 40 16,282-40-16,39 40 15,-79-41-15,-41 41 16,-201 0-16,-240-40 16,-80 0-16,-121 80 15,-40-40 1,40 0 46,0 40-46</inkml:trace>
+  <inkml:trace contextRef="#ctx0" brushRef="#br0" timeOffset="8015.4414">21590 7382 0,'0'0'0,"-53"0"16,0-27-16,-53 1 15,0-1-15,-26 27 16,53 0-16,26 0 15,-53 0-15,27 0 16,26 0-16,-27 0 16,-25 0-16,-1 0 15,0 0-15,27 0 16,-54 0-16,54 0 16,-1 0-16,28 0 15,25 0-15,1 0 16,-1 0-16,1 0 156,26 27-140,-27 26-1,1-27-15,26 0 16,-27 54-16,-26-1 16,27-26-16,0 53 15,26-80-15,-53 80 16,26-26-16,1-1 15,26 53-15,0-52 16,-53 52-16,53 0 16,0-26-16,0 53 15,0 26-15,0-53 16,26 54-16,27-28 16,-53-78-16,53 52 15,-26 0-15,-1-79 16,-26 27-16,26-54 15,-26 0-15,0 1 188,0 52-172,0 27-16,0-26 15,0-28-15,27 1 16,-27-26-16,26-1 15,1-26 79,-1 27 0,80-27-78,106 0-16,-80 0 15,0 0-15,1 0 16,-54 0-1,-52-27 64</inkml:trace>
+  <inkml:trace contextRef="#ctx0" brushRef="#br0" timeOffset="9263.4876">26591 6667 0,'53'-53'94,"-27"53"-78,106-26-16,1 26 15,25 0-15,-52-53 16,-26 53-16,-28 0 16,1-27-16,-53 54 125,0 52-125,-26 27 15,26 0-15,-53 26 16,27 53-16,-1-26 15,27 317-15,0-343 16,0 131-16,0-211 16,0 79-16,27-52 15,-1-1-15,-26-52 16,0-1-16,53 27 16,-53-26 77,0-1-77,-27 0-16,-25 27 16,25-26-16,1-1 15,-27 27-15,26-53 16,1 0-1</inkml:trace>
+  <inkml:trace contextRef="#ctx0" brushRef="#br0" timeOffset="12952.4048">4948 8043 0,'0'0'0,"-27"0"15,1 53-15,-1-53 16,1 53-16,-1-53 16,1 53-16,26-27 15,-27 27-15,1 26 16,-27-26-16,53-26 16,-26 52-16,-27 1 15,26-1-15,27-26 16,-26 0-16,-1 0 15,27 0-15,-26 26 16,26-52-16,0 25 16,0 1-1,0-26-15,0 26 16,0-27 0,0 1-1,0-1 1,53 1-16,-27-27 15,80 52-15,-53-25 16,53-27-16</inkml:trace>
+  <inkml:trace contextRef="#ctx0" brushRef="#br0" timeOffset="14160.2528">8625 7858 0,'27'0'63,"-1"26"-63,27 27 15,27 27-15,-1-1 16,27 53-16,-27 0 16,-52-52-16,52-1 15,-52-26-15,25 0 16,-52 53-16,0-80 15,27 54-15,-27-54 16,0 54-16,26-27 16,-26-27-1,0 27-15,0 0 16,0-27-16,27 27 16,-1 0-1,-26-26 1,0 25-16,0-25 15,0-1 17,0 1-32,0-1 15,0 1-15,-26 26 16,-1-27 15</inkml:trace>
+  <inkml:trace contextRef="#ctx0" brushRef="#br0" timeOffset="18168.1403">10716 8784 0,'26'26'188,"1"1"-188,105 26 15,-79-27-15,79 27 16,0 0-16,1-27 16,-1 1-16,0-27 15,-52 0-15,78 0 16,1 0-16,0 0 15,-80-27-15,-26 1 16,26-27-16,-26 27 16,0-1-16,-26 1 15,-1-1-15,1 1 16,-1 26-16,-26-53 16,27 53-16,-27-27 15,26 27 1,27 0-16,-27 0 15,27 0 1,0 0-16,0 0 16,0 0-16,27 0 15,-1 0-15,-26 53 16,26-26-16,-52 26 16,26 26-1,-53-52-15,26 52 16,0 0-16,-26 1 15,0 25-15,27 1 16,-27 27-16,0 25 16,0 213-16,0-133 15,26 53-15,-26 53 16,0 0-16,0-80 16,0-52-16,0-27 15,0-105-15,0-27 16,0-1-16,27 1 15,-27-26 1,-53-27 47,0 0-63,-53-27 15,0-26 1,1 27-16,52 0 15,0 26-15,-27-27 16,54 1 0,-1-1 31,27 1-47,-26-1 15,26 1 1,-27-1-16,27 1 15,0-1 1,0 1-16,0 0 16,27 26-1,-1 0-15,1-27 16,26 27-16,-27-26 16,1 26-1,-1 0 1,1 0-1,-1 0 1,27 0 0,0 26-1,-27 1-15,27 25 16,0 28-16,-26-27 16,-1 0-1,1-27-15,-1 1 16,27 52-16,-53-53 15,26 27-15,-26-26 16,0 26-16,0 0 16,0 26-16,0 0 15,0 1-15,0-1 16,0 27-16,0 0 16,0-53-16,-53 53 15,53-54-15,0 28 16,-26-27-16,-27 0 15,53 79-15,0-79 16,-26 26-16,-1-52 16,1-1-16,26 1 15,0-1-15,-27 1 16,-26-1-16,27 0 16,-1 1-1,1-27-15,0 0 16</inkml:trace>
+  <inkml:trace contextRef="#ctx0" brushRef="#br0" timeOffset="603696.2656">4948 7090 0,'53'0'63,"105"0"-63,1 0 15,0 0-15,529-52 16,-397 52-16,79-27 16,-79 27-16,53 0 15,-26 0-15,-27 0 16,-80 0-16,160 0 16,-27 0-16,0 0 15,53 0-15,-106 0 16,26 0-16,-105 0 15,26 0 1,79 0-16,-78 0 16,-54 0-16,27 0 15,-27 0-15,0 0 16,-26 0-16,26 0 16,-106 0-16,80 0 15,-53 0-15,0 0 16,0 0-16,-1 0 15,-25 0-15,-27 0 16,0 0-16,-1 0 16,-25 0-16,26 0 15,-27 0-15,27 0 16,27 0-16,25 0 16,1 0-16,27 0 15,25 0-15,-25 0 16,-1 0-16,0 0 15,-26 0-15,-27 0 16,27 0-16,0 0 16,0 0-16,0-26 15,-53 26-15,105 0 16,1 0-16,106 0 16,-80 0-16,-53-53 15,0 53 1,1 0-16,-1-53 15,-53 53-15,27 0 16,0 0-16,0-27 16,26 1-16,27 26 15,-27 0-15,53-27 16,-105 27-16,79 0 16,-80 0-16,0 0 15,1 0-15,26 0 16,-1 0-16,-52 0 15,80 0-15,-54 0 16,27 0-16,0 0 16,-1-26-16,-78 26 15,52 0-15,-26-26 16,0 26-16,-26 0 16,-1 0-16,1 0 15,-1 0-15,0 0 16,-26-27-16,27 27 31,26 0 110,0 0-126,-27 0 1,27 0 390,0 0-390,0 0-16,-27 0 15,1 0-15,26 0 16,-27 0-16,27 0 16,-26 0-16,26 0 15,-27 0-15,0 0 16,27 0-16,-26 0 16,-1 0-16,54 0 15,-54-26-15,1 26 16,25-27-1,1 27-15,-26-26 16,26 26-16,0-27 16,0 27-1,-27 0-15,1 0 16,52 0-16,-53-26 16,54 26-16,-1-27 15,27 27-15,-27 0 16,1-53-16,-27 53 15,26 0-15,0 0 16,-26-26-16,0 0 16,0-1-16,-26 27 15,-1 0-15,27 0 16,0-26 0,-27 26-16,1 0 15,26-27-15,-27 1 16,1 26-1,-1 0-15,1-27 16,25 27-16,-25-26 16,-1 26-1,1 0 1</inkml:trace>
+  <inkml:trace contextRef="#ctx0" brushRef="#br0" timeOffset="607953.1226">20161 1058 0,'53'0'78,"53"-26"-62,-80 26-16,1 26 31,-54 106-16,-52 54-15,0-28 16,26 27-16,26-79 16,27-53-1,0 0-15,0-26 16,0-1-16,0 0 16,0 1-1,0 26 1,0 26-1,0-26-15,-26 79 16,26-79-16,0 53 16,0-26-16,26 78 15,54-78-15,52-1 16,27 0-16,-27-26 16,0-26-16,-132-1 15,27-26 1,-27 27-1,-80 26-15,1 0 16,79-27-16,0 27 16,53 79-16,106-26 15,-1-53-15,-25 26 16,-80-52-16,-27-1 16,27-26 62,-53 53-63,0-26 1,0 26-16,0 0 16,-26-1-16,-27-25 15,53-1-15,0 1 16</inkml:trace>
+  <inkml:trace contextRef="#ctx0" brushRef="#br0" timeOffset="615864.9888">19050 397 0,'-26'0'63,"26"52"-63,-27 54 15,27-53-15,0 27 16,0-1-16,0-26 16,0 53-16,0-53 15,0 0 1,0-27-16,27 0 0,-1-26 15,0 0 32,80-26-31</inkml:trace>
+  <inkml:trace contextRef="#ctx0" brushRef="#br0" timeOffset="617392.0486">19606 449 0,'26'27'31,"-26"-1"-31,0 27 16,0 0-16,-26 0 15,-1 0 1,-26-27-16,27 1 16,-27-27-1,26 0-15,-25 26 16,25-26-16,-26 0 16,0 0-16</inkml:trace>
+  <inkml:trace contextRef="#ctx0" brushRef="#br0" timeOffset="617800.5495">19341 582 0,'27'0'31,"-1"0"-31,27 53 15,-27-27-15,1 1 16,-1-1-16,1 0 16,-27 27 31,0-26-32,26-1 1,27 1-1</inkml:trace>
+  <inkml:trace contextRef="#ctx0" brushRef="#br0" timeOffset="618249.0202">19870 899 0,'0'27'62,"0"-1"-62,0 1 16,0-1-16,0 1 16,0-1-16</inkml:trace>
+  <inkml:trace contextRef="#ctx0" brushRef="#br0" timeOffset="619176.2031">20055 502 0,'0'27'62,"27"26"-46,-27-27-16,26 1 16,-26-1-16,27-26 47,26 0-16,-27 0-16,27-53-15,-26 27 16,25-27-16,-25-27 16,-27 54-16,26-53 15,-26 52-15,27 1 16,-27-1 0,0 54 77,0-1-77,0 54-16,0-1 16,0-26-16,0 26 15,0-26-15,-27 26 16,27-52-16,-26 26 15,-1 0 48,1-53-47,0 0-1,-1 0 1,27-27-16,-26 1 15</inkml:trace>
+  <inkml:trace contextRef="#ctx0" brushRef="#br0" timeOffset="619576.1829">20585 238 0,'0'26'15,"53"54"-15,26 52 16,-53-79-16,1-27 15,-1 1 1,-26-1 0,0 1-1,0-1 1,0 27 0,-26-53-16,-1 53 15,1 0-15,-27-27 16,27 1-16,-54-1 15,27 1-15,0-27 16,-26 0-16</inkml:trace>
+  <inkml:trace contextRef="#ctx0" brushRef="#br0" timeOffset="1.59935E7">27040 14023 0,'0'0'0,"-926"53"0,186 79 16,184 0-16,-79-26 15,370-27-15,133-52 16,132-54 15,79-264-31,212-185 16,133 79-16,-27 27 16,-186 132-16,-184 158 15,-27 1 1,-238-1-16,-556 54 15,-450 79-15,239 106 16,-159-53-16,529-27 16,397-53-16,396-26 31,345-158-15,423-213-16,-106 107 15,-370 25-15,-423 213 16,-292 52 15,-317 133-31,159-27 16,184-79-16,134 27 15,52-27-15</inkml:trace>
+</inkml:ink>
+</file>
+
 <file path=ppt/slideLayouts/slideLayout1.xml><?xml version="1.0" encoding="utf-8"?>
 <p:sldLayout xmlns:a="http://schemas.openxmlformats.org/drawingml/2006/main" xmlns:r="http://schemas.openxmlformats.org/officeDocument/2006/relationships" xmlns:p="http://schemas.openxmlformats.org/presentationml/2006/main" type="title" preserve="1">
   <p:cSld name="Title Slide">
@@ -331,7 +431,7 @@
           <a:p>
             <a:fld id="{473C580F-1C05-4F22-B344-C8576F46DB1E}" type="datetimeFigureOut">
               <a:rPr lang="en-GB" smtClean="0"/>
-              <a:t>07/04/2021</a:t>
+              <a:t>31/03/2022</a:t>
             </a:fld>
             <a:endParaRPr lang="en-GB"/>
           </a:p>
@@ -606,7 +706,7 @@
           <a:p>
             <a:fld id="{473C580F-1C05-4F22-B344-C8576F46DB1E}" type="datetimeFigureOut">
               <a:rPr lang="en-GB" smtClean="0"/>
-              <a:t>07/04/2021</a:t>
+              <a:t>31/03/2022</a:t>
             </a:fld>
             <a:endParaRPr lang="en-GB"/>
           </a:p>
@@ -800,7 +900,7 @@
           <a:p>
             <a:fld id="{473C580F-1C05-4F22-B344-C8576F46DB1E}" type="datetimeFigureOut">
               <a:rPr lang="en-GB" smtClean="0"/>
-              <a:t>07/04/2021</a:t>
+              <a:t>31/03/2022</a:t>
             </a:fld>
             <a:endParaRPr lang="en-GB"/>
           </a:p>
@@ -1073,7 +1173,7 @@
           <a:p>
             <a:fld id="{473C580F-1C05-4F22-B344-C8576F46DB1E}" type="datetimeFigureOut">
               <a:rPr lang="en-GB" smtClean="0"/>
-              <a:t>07/04/2021</a:t>
+              <a:t>31/03/2022</a:t>
             </a:fld>
             <a:endParaRPr lang="en-GB"/>
           </a:p>
@@ -1414,7 +1514,7 @@
           <a:p>
             <a:fld id="{473C580F-1C05-4F22-B344-C8576F46DB1E}" type="datetimeFigureOut">
               <a:rPr lang="en-GB" smtClean="0"/>
-              <a:t>07/04/2021</a:t>
+              <a:t>31/03/2022</a:t>
             </a:fld>
             <a:endParaRPr lang="en-GB"/>
           </a:p>
@@ -2037,7 +2137,7 @@
           <a:p>
             <a:fld id="{473C580F-1C05-4F22-B344-C8576F46DB1E}" type="datetimeFigureOut">
               <a:rPr lang="en-GB" smtClean="0"/>
-              <a:t>07/04/2021</a:t>
+              <a:t>31/03/2022</a:t>
             </a:fld>
             <a:endParaRPr lang="en-GB"/>
           </a:p>
@@ -2897,7 +2997,7 @@
           <a:p>
             <a:fld id="{473C580F-1C05-4F22-B344-C8576F46DB1E}" type="datetimeFigureOut">
               <a:rPr lang="en-GB" smtClean="0"/>
-              <a:t>07/04/2021</a:t>
+              <a:t>31/03/2022</a:t>
             </a:fld>
             <a:endParaRPr lang="en-GB"/>
           </a:p>
@@ -3067,7 +3167,7 @@
           <a:p>
             <a:fld id="{473C580F-1C05-4F22-B344-C8576F46DB1E}" type="datetimeFigureOut">
               <a:rPr lang="en-GB" smtClean="0"/>
-              <a:t>07/04/2021</a:t>
+              <a:t>31/03/2022</a:t>
             </a:fld>
             <a:endParaRPr lang="en-GB"/>
           </a:p>
@@ -3247,7 +3347,7 @@
           <a:p>
             <a:fld id="{473C580F-1C05-4F22-B344-C8576F46DB1E}" type="datetimeFigureOut">
               <a:rPr lang="en-GB" smtClean="0"/>
-              <a:t>07/04/2021</a:t>
+              <a:t>31/03/2022</a:t>
             </a:fld>
             <a:endParaRPr lang="en-GB"/>
           </a:p>
@@ -3417,7 +3517,7 @@
           <a:p>
             <a:fld id="{473C580F-1C05-4F22-B344-C8576F46DB1E}" type="datetimeFigureOut">
               <a:rPr lang="en-GB" smtClean="0"/>
-              <a:t>07/04/2021</a:t>
+              <a:t>31/03/2022</a:t>
             </a:fld>
             <a:endParaRPr lang="en-GB"/>
           </a:p>
@@ -3664,7 +3764,7 @@
           <a:p>
             <a:fld id="{473C580F-1C05-4F22-B344-C8576F46DB1E}" type="datetimeFigureOut">
               <a:rPr lang="en-GB" smtClean="0"/>
-              <a:t>07/04/2021</a:t>
+              <a:t>31/03/2022</a:t>
             </a:fld>
             <a:endParaRPr lang="en-GB"/>
           </a:p>
@@ -3956,7 +4056,7 @@
           <a:p>
             <a:fld id="{473C580F-1C05-4F22-B344-C8576F46DB1E}" type="datetimeFigureOut">
               <a:rPr lang="en-GB" smtClean="0"/>
-              <a:t>07/04/2021</a:t>
+              <a:t>31/03/2022</a:t>
             </a:fld>
             <a:endParaRPr lang="en-GB"/>
           </a:p>
@@ -4400,7 +4500,7 @@
           <a:p>
             <a:fld id="{473C580F-1C05-4F22-B344-C8576F46DB1E}" type="datetimeFigureOut">
               <a:rPr lang="en-GB" smtClean="0"/>
-              <a:t>07/04/2021</a:t>
+              <a:t>31/03/2022</a:t>
             </a:fld>
             <a:endParaRPr lang="en-GB"/>
           </a:p>
@@ -4518,7 +4618,7 @@
           <a:p>
             <a:fld id="{473C580F-1C05-4F22-B344-C8576F46DB1E}" type="datetimeFigureOut">
               <a:rPr lang="en-GB" smtClean="0"/>
-              <a:t>07/04/2021</a:t>
+              <a:t>31/03/2022</a:t>
             </a:fld>
             <a:endParaRPr lang="en-GB"/>
           </a:p>
@@ -4613,7 +4713,7 @@
           <a:p>
             <a:fld id="{473C580F-1C05-4F22-B344-C8576F46DB1E}" type="datetimeFigureOut">
               <a:rPr lang="en-GB" smtClean="0"/>
-              <a:t>07/04/2021</a:t>
+              <a:t>31/03/2022</a:t>
             </a:fld>
             <a:endParaRPr lang="en-GB"/>
           </a:p>
@@ -4892,7 +4992,7 @@
           <a:p>
             <a:fld id="{473C580F-1C05-4F22-B344-C8576F46DB1E}" type="datetimeFigureOut">
               <a:rPr lang="en-GB" smtClean="0"/>
-              <a:t>07/04/2021</a:t>
+              <a:t>31/03/2022</a:t>
             </a:fld>
             <a:endParaRPr lang="en-GB"/>
           </a:p>
@@ -5167,7 +5267,7 @@
           <a:p>
             <a:fld id="{473C580F-1C05-4F22-B344-C8576F46DB1E}" type="datetimeFigureOut">
               <a:rPr lang="en-GB" smtClean="0"/>
-              <a:t>07/04/2021</a:t>
+              <a:t>31/03/2022</a:t>
             </a:fld>
             <a:endParaRPr lang="en-GB"/>
           </a:p>
@@ -5596,7 +5696,7 @@
           <a:p>
             <a:fld id="{473C580F-1C05-4F22-B344-C8576F46DB1E}" type="datetimeFigureOut">
               <a:rPr lang="en-GB" smtClean="0"/>
-              <a:t>07/04/2021</a:t>
+              <a:t>31/03/2022</a:t>
             </a:fld>
             <a:endParaRPr lang="en-GB"/>
           </a:p>
@@ -7287,6 +7387,13 @@
   <p:clrMapOvr>
     <a:masterClrMapping/>
   </p:clrMapOvr>
+  <p:timing>
+    <p:tnLst>
+      <p:par>
+        <p:cTn id="1" dur="indefinite" restart="never" nodeType="tmRoot"/>
+      </p:par>
+    </p:tnLst>
+  </p:timing>
 </p:sld>
 </file>
 
@@ -7459,6 +7566,13 @@
   <p:clrMapOvr>
     <a:masterClrMapping/>
   </p:clrMapOvr>
+  <p:timing>
+    <p:tnLst>
+      <p:par>
+        <p:cTn id="1" dur="indefinite" restart="never" nodeType="tmRoot"/>
+      </p:par>
+    </p:tnLst>
+  </p:timing>
 </p:sld>
 </file>
 
@@ -7790,6 +7904,45 @@
           </a:p>
         </p:txBody>
       </p:sp>
+      <mc:AlternateContent xmlns:mc="http://schemas.openxmlformats.org/markup-compatibility/2006">
+        <mc:Choice xmlns:p14="http://schemas.microsoft.com/office/powerpoint/2010/main" Requires="p14">
+          <p:contentPart p14:bwMode="auto" r:id="rId2">
+            <p14:nvContentPartPr>
+              <p14:cNvPr id="4" name="Ink 3"/>
+              <p14:cNvContentPartPr/>
+              <p14:nvPr/>
+            </p14:nvContentPartPr>
+            <p14:xfrm>
+              <a:off x="1545840" y="2367720"/>
+              <a:ext cx="7656480" cy="3842640"/>
+            </p14:xfrm>
+          </p:contentPart>
+        </mc:Choice>
+        <mc:Fallback>
+          <p:pic>
+            <p:nvPicPr>
+              <p:cNvPr id="4" name="Ink 3"/>
+              <p:cNvPicPr/>
+              <p:nvPr/>
+            </p:nvPicPr>
+            <p:blipFill>
+              <a:blip r:embed="rId3"/>
+              <a:stretch>
+                <a:fillRect/>
+              </a:stretch>
+            </p:blipFill>
+            <p:spPr>
+              <a:xfrm>
+                <a:off x="1536480" y="2358360"/>
+                <a:ext cx="7675200" cy="3861360"/>
+              </a:xfrm>
+              <a:prstGeom prst="rect">
+                <a:avLst/>
+              </a:prstGeom>
+            </p:spPr>
+          </p:pic>
+        </mc:Fallback>
+      </mc:AlternateContent>
     </p:spTree>
     <p:extLst>
       <p:ext uri="{BB962C8B-B14F-4D97-AF65-F5344CB8AC3E}">
@@ -7800,6 +7953,13 @@
   <p:clrMapOvr>
     <a:masterClrMapping/>
   </p:clrMapOvr>
+  <p:timing>
+    <p:tnLst>
+      <p:par>
+        <p:cTn id="1" dur="indefinite" restart="never" nodeType="tmRoot"/>
+      </p:par>
+    </p:tnLst>
+  </p:timing>
 </p:sld>
 </file>
 
@@ -8113,6 +8273,45 @@
           </a:p>
         </p:txBody>
       </p:sp>
+      <mc:AlternateContent xmlns:mc="http://schemas.openxmlformats.org/markup-compatibility/2006">
+        <mc:Choice xmlns:p14="http://schemas.microsoft.com/office/powerpoint/2010/main" Requires="p14">
+          <p:contentPart p14:bwMode="auto" r:id="rId2">
+            <p14:nvContentPartPr>
+              <p14:cNvPr id="4" name="Ink 3"/>
+              <p14:cNvContentPartPr/>
+              <p14:nvPr/>
+            </p14:nvContentPartPr>
+            <p14:xfrm>
+              <a:off x="1619280" y="85680"/>
+              <a:ext cx="8239320" cy="5153400"/>
+            </p14:xfrm>
+          </p:contentPart>
+        </mc:Choice>
+        <mc:Fallback>
+          <p:pic>
+            <p:nvPicPr>
+              <p:cNvPr id="4" name="Ink 3"/>
+              <p:cNvPicPr/>
+              <p:nvPr/>
+            </p:nvPicPr>
+            <p:blipFill>
+              <a:blip r:embed="rId3"/>
+              <a:stretch>
+                <a:fillRect/>
+              </a:stretch>
+            </p:blipFill>
+            <p:spPr>
+              <a:xfrm>
+                <a:off x="1609920" y="76320"/>
+                <a:ext cx="8258040" cy="5172120"/>
+              </a:xfrm>
+              <a:prstGeom prst="rect">
+                <a:avLst/>
+              </a:prstGeom>
+            </p:spPr>
+          </p:pic>
+        </mc:Fallback>
+      </mc:AlternateContent>
     </p:spTree>
     <p:extLst>
       <p:ext uri="{BB962C8B-B14F-4D97-AF65-F5344CB8AC3E}">
@@ -8123,6 +8322,13 @@
   <p:clrMapOvr>
     <a:masterClrMapping/>
   </p:clrMapOvr>
+  <p:timing>
+    <p:tnLst>
+      <p:par>
+        <p:cTn id="1" dur="indefinite" restart="never" nodeType="tmRoot"/>
+      </p:par>
+    </p:tnLst>
+  </p:timing>
 </p:sld>
 </file>
 
@@ -8522,6 +8728,13 @@
   <p:clrMapOvr>
     <a:masterClrMapping/>
   </p:clrMapOvr>
+  <p:timing>
+    <p:tnLst>
+      <p:par>
+        <p:cTn id="1" dur="indefinite" restart="never" nodeType="tmRoot"/>
+      </p:par>
+    </p:tnLst>
+  </p:timing>
 </p:sld>
 </file>
 

--- a/PYTHON notes.pptx
+++ b/PYTHON notes.pptx
@@ -39,6 +39,7 @@
     <p:sldId id="287" r:id="rId33"/>
     <p:sldId id="288" r:id="rId34"/>
     <p:sldId id="289" r:id="rId35"/>
+    <p:sldId id="290" r:id="rId36"/>
   </p:sldIdLst>
   <p:sldSz cx="12192000" cy="6858000"/>
   <p:notesSz cx="6858000" cy="9144000"/>
@@ -195,7 +196,7 @@
   <inkml:trace contextRef="#ctx0" brushRef="#br0" timeOffset="44157.2504">8202 13176 0,'0'26'172,"0"1"-156,0-1-16,0 27 15,0-26-15</inkml:trace>
   <inkml:trace contextRef="#ctx0" brushRef="#br0" timeOffset="44732.8862">8202 13335 0,'27'0'62,"-1"0"-46,0 0-1,-26-27 1,27 27-16,-1 0 16,1-26-1,-1 26 1,1 0-16,26-27 16,-27 1-1,27 26 1,-27-27-16,1 27 15,52 0 1,-52-26-16,52 26 16,-52-27-16,-1 27 15,1 0-15</inkml:trace>
   <inkml:trace contextRef="#ctx0" brushRef="#br0" timeOffset="45677.2553">8334 13361 0,'0'27'78,"0"-1"-78,0 53 16,27 54-16,-1-54 16,1 0-16,-27 27 15,26-53-15,-26 0 16,27 27-16,-27-54 15,26 0-15</inkml:trace>
-  <inkml:trace contextRef="#ctx0" brushRef="#br0" timeOffset="50500.6614">5345 14049 0,'0'0'0</inkml:trace>
+  <inkml:trace contextRef="#ctx0" brushRef="#br0" timeOffset="50500.6613">5345 14049 0,'0'0'0</inkml:trace>
 </inkml:ink>
 </file>
 
@@ -225,11 +226,11 @@
   </inkml:definitions>
   <inkml:trace contextRef="#ctx0" brushRef="#br0">24878 9063 0,'0'0'0,"-160"-40"0,-41 0 16,-40-40-16,-39-41 15,-322 41-15,241 40 16,-1 0-16,162 40 15,-121 0-15,200 0 16,-119 0-16,-81 80 16,120 41-16,121-81 15,-41 80-15,81-80 16,0 80-16,0 1 16,40 39-1,-40-40-15,40 1 16,0 39-16,0-39 15,0-1-15,0-40 16,80 0-16,-40-40 16,40 0-16,-39-40 15,-1 0 1,40 0-16,40-40 16,41-40-16,-1-80 15,1 39-15,-41-79 16,-39 39-16,-1 1 15,0-40-15,0-41 16,-80 40-16,0-39 16,0 79-16,0 1 15,0-1-15,0 41 16,0 40-16,0-40 16,0 39-16,0 1 15,0 0-15,0 40 16,-40-40-16</inkml:trace>
   <inkml:trace contextRef="#ctx0" brushRef="#br0" timeOffset="1143.3137">22952 9946 0,'81'0'62,"79"0"-62,-120 0 16,81 0-16,-41 0 15,0-41-15,0 1 16,41 0 0,-81 40-16,0-40 0,80-40 15,-39 0 1,-1 40-16,40-81 15,1 41-15,-81 0 16,40-81-16,-40 81 16,0-80-16,-40 120 15,0-81-15,0 81 16,0-80-16,0 40 16,0 40-16,0-41 15,0 1-15,-40 0 16,-40 40-16,40 0 15,40 0-15,-40 40 16,-1-40 0,1 40-16,-40 0 15,40 0-15,-40 0 16,-41 0-16,81 0 16,-80 40-16,-1 0 15,-79 40-15,120-40 16,-41 40-16,81 1 15,0-41-15,0 40 16,40 0-16,0 0 16,0 0-16,-40 41 15,40-41 1,0 80-16,0-119 16,40 119-16,-40-80 15,80 0-15,-40 41 16,0-1-16,81-40 15,-81 0-15,0 1 16,0-41-16,80 0 16,-39 0-16,-41-40 15,0 0-15,40 0 16,-40 0-16,0 0 16,1 0-1,-1 0 1,0 0-1,0 0-15,40-40 16,-40 40 0,0 0-1,1-40-15,-41 0 16,40 40 0</inkml:trace>
-  <inkml:trace contextRef="#ctx0" brushRef="#br0" timeOffset="2128.2227">26443 7018 0,'0'0'0,"-160"0"16,-1 0-16,-39 0 16,-1 0-16,81 0 15,-1 40-15,41 0 16,0 0-16,80 40 15,-40-40-15,-1 41 16,41-1 0,0 40-16,0-40 15,0 81-15,0-1 16,0-39-16,0-1 16,0 0-16,0-40 15,0 81-15,41-81 16,-1 0-16,-40 0 15,0-39-15,40 39 16,-40-40-16,0 0 16,0 0-16,0 0 15,40 40-15,-40-39 16,0-1-16,0 0 16,0 40-16,0 0 15,0-40 1,-40-40-16,40 40 15,-40-40-15,40 40 16,-81-40 31,41 0-47</inkml:trace>
+  <inkml:trace contextRef="#ctx0" brushRef="#br0" timeOffset="2128.2226">26443 7018 0,'0'0'0,"-160"0"16,-1 0-16,-39 0 16,-1 0-16,81 0 15,-1 40-15,41 0 16,0 0-16,80 40 15,-40-40-15,-1 41 16,41-1 0,0 40-16,0-40 15,0 81-15,0-1 16,0-39-16,0-1 16,0 0-16,0-40 15,0 81-15,41-81 16,-1 0-16,-40 0 15,0-39-15,40 39 16,-40-40-16,0 0 16,0 0-16,0 0 15,40 40-15,-40-39 16,0-1-16,0 0 16,0 40-16,0 0 15,0-40 1,-40-40-16,40 40 15,-40-40-15,40 40 16,-81-40 31,41 0-47</inkml:trace>
   <inkml:trace contextRef="#ctx0" brushRef="#br0" timeOffset="2575.4877">24798 8542 0,'40'-40'0,"0"0"15,0 40-15,41-40 16,-41-1-1,40 1-15,-40 40 16,40 0-16,-39-40 16,39 0-1,-40 40-15,40-40 16,1 40-16,-41 0 16,-40-40-1</inkml:trace>
   <inkml:trace contextRef="#ctx0" brushRef="#br0" timeOffset="3623.6687">21508 11790 0,'240'-40'109,"202"-40"-109,39 40 16,282-40-16,39 40 15,-79-41-15,-41 41 16,-201 0-16,-240-40 16,-80 0-16,-121 80 15,-40-40 1,40 0 46,0 40-46</inkml:trace>
   <inkml:trace contextRef="#ctx0" brushRef="#br0" timeOffset="8015.4414">21590 7382 0,'0'0'0,"-53"0"16,0-27-16,-53 1 15,0-1-15,-26 27 16,53 0-16,26 0 15,-53 0-15,27 0 16,26 0-16,-27 0 16,-25 0-16,-1 0 15,0 0-15,27 0 16,-54 0-16,54 0 16,-1 0-16,28 0 15,25 0-15,1 0 16,-1 0-16,1 0 156,26 27-140,-27 26-1,1-27-15,26 0 16,-27 54-16,-26-1 16,27-26-16,0 53 15,26-80-15,-53 80 16,26-26-16,1-1 15,26 53-15,0-52 16,-53 52-16,53 0 16,0-26-16,0 53 15,0 26-15,0-53 16,26 54-16,27-28 16,-53-78-16,53 52 15,-26 0-15,-1-79 16,-26 27-16,26-54 15,-26 0-15,0 1 188,0 52-172,0 27-16,0-26 15,0-28-15,27 1 16,-27-26-16,26-1 15,1-26 79,-1 27 0,80-27-78,106 0-16,-80 0 15,0 0-15,1 0 16,-54 0-1,-52-27 64</inkml:trace>
-  <inkml:trace contextRef="#ctx0" brushRef="#br0" timeOffset="9263.4876">26591 6667 0,'53'-53'94,"-27"53"-78,106-26-16,1 26 15,25 0-15,-52-53 16,-26 53-16,-28 0 16,1-27-16,-53 54 125,0 52-125,-26 27 15,26 0-15,-53 26 16,27 53-16,-1-26 15,27 317-15,0-343 16,0 131-16,0-211 16,0 79-16,27-52 15,-1-1-15,-26-52 16,0-1-16,53 27 16,-53-26 77,0-1-77,-27 0-16,-25 27 16,25-26-16,1-1 15,-27 27-15,26-53 16,1 0-1</inkml:trace>
+  <inkml:trace contextRef="#ctx0" brushRef="#br0" timeOffset="9263.4875">26591 6667 0,'53'-53'94,"-27"53"-78,106-26-16,1 26 15,25 0-15,-52-53 16,-26 53-16,-28 0 16,1-27-16,-53 54 125,0 52-125,-26 27 15,26 0-15,-53 26 16,27 53-16,-1-26 15,27 317-15,0-343 16,0 131-16,0-211 16,0 79-16,27-52 15,-1-1-15,-26-52 16,0-1-16,53 27 16,-53-26 77,0-1-77,-27 0-16,-25 27 16,25-26-16,1-1 15,-27 27-15,26-53 16,1 0-1</inkml:trace>
   <inkml:trace contextRef="#ctx0" brushRef="#br0" timeOffset="12952.4048">4948 8043 0,'0'0'0,"-27"0"15,1 53-15,-1-53 16,1 53-16,-1-53 16,1 53-16,26-27 15,-27 27-15,1 26 16,-27-26-16,53-26 16,-26 52-16,-27 1 15,26-1-15,27-26 16,-26 0-16,-1 0 15,27 0-15,-26 26 16,26-52-16,0 25 16,0 1-1,0-26-15,0 26 16,0-27 0,0 1-1,0-1 1,53 1-16,-27-27 15,80 52-15,-53-25 16,53-27-16</inkml:trace>
   <inkml:trace contextRef="#ctx0" brushRef="#br0" timeOffset="14160.2528">8625 7858 0,'27'0'63,"-1"26"-63,27 27 15,27 27-15,-1-1 16,27 53-16,-27 0 16,-52-52-16,52-1 15,-52-26-15,25 0 16,-52 53-16,0-80 15,27 54-15,-27-54 16,0 54-16,26-27 16,-26-27-1,0 27-15,0 0 16,0-27-16,27 27 16,-1 0-1,-26-26 1,0 25-16,0-25 15,0-1 17,0 1-32,0-1 15,0 1-15,-26 26 16,-1-27 15</inkml:trace>
   <inkml:trace contextRef="#ctx0" brushRef="#br0" timeOffset="18168.1403">10716 8784 0,'26'26'188,"1"1"-188,105 26 15,-79-27-15,79 27 16,0 0-16,1-27 16,-1 1-16,0-27 15,-52 0-15,78 0 16,1 0-16,0 0 15,-80-27-15,-26 1 16,26-27-16,-26 27 16,0-1-16,-26 1 15,-1-1-15,1 1 16,-1 26-16,-26-53 16,27 53-16,-27-27 15,26 27 1,27 0-16,-27 0 15,27 0 1,0 0-16,0 0 16,0 0-16,27 0 15,-1 0-15,-26 53 16,26-26-16,-52 26 16,26 26-1,-53-52-15,26 52 16,0 0-16,-26 1 15,0 25-15,27 1 16,-27 27-16,0 25 16,0 213-16,0-133 15,26 53-15,-26 53 16,0 0-16,0-80 16,0-52-16,0-27 15,0-105-15,0-27 16,0-1-16,27 1 15,-27-26 1,-53-27 47,0 0-63,-53-27 15,0-26 1,1 27-16,52 0 15,0 26-15,-27-27 16,54 1 0,-1-1 31,27 1-47,-26-1 15,26 1 1,-27-1-16,27 1 15,0-1 1,0 1-16,0 0 16,27 26-1,-1 0-15,1-27 16,26 27-16,-27-26 16,1 26-1,-1 0 1,1 0-1,-1 0 1,27 0 0,0 26-1,-27 1-15,27 25 16,0 28-16,-26-27 16,-1 0-1,1-27-15,-1 1 16,27 52-16,-53-53 15,26 27-15,-26-26 16,0 26-16,0 0 16,0 26-16,0 0 15,0 1-15,0-1 16,0 27-16,0 0 16,0-53-16,-53 53 15,53-54-15,0 28 16,-26-27-16,-27 0 15,53 79-15,0-79 16,-26 26-16,-1-52 16,1-1-16,26 1 15,0-1-15,-27 1 16,-26-1-16,27 0 16,-1 1-1,1-27-15,0 0 16</inkml:trace>
@@ -239,8 +240,8 @@
   <inkml:trace contextRef="#ctx0" brushRef="#br0" timeOffset="617392.0486">19606 449 0,'26'27'31,"-26"-1"-31,0 27 16,0 0-16,-26 0 15,-1 0 1,-26-27-16,27 1 16,-27-27-1,26 0-15,-25 26 16,25-26-16,-26 0 16,0 0-16</inkml:trace>
   <inkml:trace contextRef="#ctx0" brushRef="#br0" timeOffset="617800.5495">19341 582 0,'27'0'31,"-1"0"-31,27 53 15,-27-27-15,1 1 16,-1-1-16,1 0 16,-27 27 31,0-26-32,26-1 1,27 1-1</inkml:trace>
   <inkml:trace contextRef="#ctx0" brushRef="#br0" timeOffset="618249.0202">19870 899 0,'0'27'62,"0"-1"-62,0 1 16,0-1-16,0 1 16,0-1-16</inkml:trace>
-  <inkml:trace contextRef="#ctx0" brushRef="#br0" timeOffset="619176.2031">20055 502 0,'0'27'62,"27"26"-46,-27-27-16,26 1 16,-26-1-16,27-26 47,26 0-16,-27 0-16,27-53-15,-26 27 16,25-27-16,-25-27 16,-27 54-16,26-53 15,-26 52-15,27 1 16,-27-1 0,0 54 77,0-1-77,0 54-16,0-1 16,0-26-16,0 26 15,0-26-15,-27 26 16,27-52-16,-26 26 15,-1 0 48,1-53-47,0 0-1,-1 0 1,27-27-16,-26 1 15</inkml:trace>
-  <inkml:trace contextRef="#ctx0" brushRef="#br0" timeOffset="619576.1829">20585 238 0,'0'26'15,"53"54"-15,26 52 16,-53-79-16,1-27 15,-1 1 1,-26-1 0,0 1-1,0-1 1,0 27 0,-26-53-16,-1 53 15,1 0-15,-27-27 16,27 1-16,-54-1 15,27 1-15,0-27 16,-26 0-16</inkml:trace>
+  <inkml:trace contextRef="#ctx0" brushRef="#br0" timeOffset="619176.203">20055 502 0,'0'27'62,"27"26"-46,-27-27-16,26 1 16,-26-1-16,27-26 47,26 0-16,-27 0-16,27-53-15,-26 27 16,25-27-16,-25-27 16,-27 54-16,26-53 15,-26 52-15,27 1 16,-27-1 0,0 54 77,0-1-77,0 54-16,0-1 16,0-26-16,0 26 15,0-26-15,-27 26 16,27-52-16,-26 26 15,-1 0 48,1-53-47,0 0-1,-1 0 1,27-27-16,-26 1 15</inkml:trace>
+  <inkml:trace contextRef="#ctx0" brushRef="#br0" timeOffset="619576.1828">20585 238 0,'0'26'15,"53"54"-15,26 52 16,-53-79-16,1-27 15,-1 1 1,-26-1 0,0 1-1,0-1 1,0 27 0,-26-53-16,-1 53 15,1 0-15,-27-27 16,27 1-16,-54-1 15,27 1-15,0-27 16,-26 0-16</inkml:trace>
   <inkml:trace contextRef="#ctx0" brushRef="#br0" timeOffset="1.59935E7">27040 14023 0,'0'0'0,"-926"53"0,186 79 16,184 0-16,-79-26 15,370-27-15,133-52 16,132-54 15,79-264-31,212-185 16,133 79-16,-27 27 16,-186 132-16,-184 158 15,-27 1 1,-238-1-16,-556 54 15,-450 79-15,239 106 16,-159-53-16,529-27 16,397-53-16,396-26 31,345-158-15,423-213-16,-106 107 15,-370 25-15,-423 213 16,-292 52 15,-317 133-31,159-27 16,184-79-16,134 27 15,52-27-15</inkml:trace>
 </inkml:ink>
 </file>
@@ -431,7 +432,7 @@
           <a:p>
             <a:fld id="{473C580F-1C05-4F22-B344-C8576F46DB1E}" type="datetimeFigureOut">
               <a:rPr lang="en-GB" smtClean="0"/>
-              <a:t>31/03/2022</a:t>
+              <a:t>04/04/2022</a:t>
             </a:fld>
             <a:endParaRPr lang="en-GB"/>
           </a:p>
@@ -706,7 +707,7 @@
           <a:p>
             <a:fld id="{473C580F-1C05-4F22-B344-C8576F46DB1E}" type="datetimeFigureOut">
               <a:rPr lang="en-GB" smtClean="0"/>
-              <a:t>31/03/2022</a:t>
+              <a:t>04/04/2022</a:t>
             </a:fld>
             <a:endParaRPr lang="en-GB"/>
           </a:p>
@@ -900,7 +901,7 @@
           <a:p>
             <a:fld id="{473C580F-1C05-4F22-B344-C8576F46DB1E}" type="datetimeFigureOut">
               <a:rPr lang="en-GB" smtClean="0"/>
-              <a:t>31/03/2022</a:t>
+              <a:t>04/04/2022</a:t>
             </a:fld>
             <a:endParaRPr lang="en-GB"/>
           </a:p>
@@ -1173,7 +1174,7 @@
           <a:p>
             <a:fld id="{473C580F-1C05-4F22-B344-C8576F46DB1E}" type="datetimeFigureOut">
               <a:rPr lang="en-GB" smtClean="0"/>
-              <a:t>31/03/2022</a:t>
+              <a:t>04/04/2022</a:t>
             </a:fld>
             <a:endParaRPr lang="en-GB"/>
           </a:p>
@@ -1514,7 +1515,7 @@
           <a:p>
             <a:fld id="{473C580F-1C05-4F22-B344-C8576F46DB1E}" type="datetimeFigureOut">
               <a:rPr lang="en-GB" smtClean="0"/>
-              <a:t>31/03/2022</a:t>
+              <a:t>04/04/2022</a:t>
             </a:fld>
             <a:endParaRPr lang="en-GB"/>
           </a:p>
@@ -2137,7 +2138,7 @@
           <a:p>
             <a:fld id="{473C580F-1C05-4F22-B344-C8576F46DB1E}" type="datetimeFigureOut">
               <a:rPr lang="en-GB" smtClean="0"/>
-              <a:t>31/03/2022</a:t>
+              <a:t>04/04/2022</a:t>
             </a:fld>
             <a:endParaRPr lang="en-GB"/>
           </a:p>
@@ -2997,7 +2998,7 @@
           <a:p>
             <a:fld id="{473C580F-1C05-4F22-B344-C8576F46DB1E}" type="datetimeFigureOut">
               <a:rPr lang="en-GB" smtClean="0"/>
-              <a:t>31/03/2022</a:t>
+              <a:t>04/04/2022</a:t>
             </a:fld>
             <a:endParaRPr lang="en-GB"/>
           </a:p>
@@ -3167,7 +3168,7 @@
           <a:p>
             <a:fld id="{473C580F-1C05-4F22-B344-C8576F46DB1E}" type="datetimeFigureOut">
               <a:rPr lang="en-GB" smtClean="0"/>
-              <a:t>31/03/2022</a:t>
+              <a:t>04/04/2022</a:t>
             </a:fld>
             <a:endParaRPr lang="en-GB"/>
           </a:p>
@@ -3347,7 +3348,7 @@
           <a:p>
             <a:fld id="{473C580F-1C05-4F22-B344-C8576F46DB1E}" type="datetimeFigureOut">
               <a:rPr lang="en-GB" smtClean="0"/>
-              <a:t>31/03/2022</a:t>
+              <a:t>04/04/2022</a:t>
             </a:fld>
             <a:endParaRPr lang="en-GB"/>
           </a:p>
@@ -3517,7 +3518,7 @@
           <a:p>
             <a:fld id="{473C580F-1C05-4F22-B344-C8576F46DB1E}" type="datetimeFigureOut">
               <a:rPr lang="en-GB" smtClean="0"/>
-              <a:t>31/03/2022</a:t>
+              <a:t>04/04/2022</a:t>
             </a:fld>
             <a:endParaRPr lang="en-GB"/>
           </a:p>
@@ -3764,7 +3765,7 @@
           <a:p>
             <a:fld id="{473C580F-1C05-4F22-B344-C8576F46DB1E}" type="datetimeFigureOut">
               <a:rPr lang="en-GB" smtClean="0"/>
-              <a:t>31/03/2022</a:t>
+              <a:t>04/04/2022</a:t>
             </a:fld>
             <a:endParaRPr lang="en-GB"/>
           </a:p>
@@ -4056,7 +4057,7 @@
           <a:p>
             <a:fld id="{473C580F-1C05-4F22-B344-C8576F46DB1E}" type="datetimeFigureOut">
               <a:rPr lang="en-GB" smtClean="0"/>
-              <a:t>31/03/2022</a:t>
+              <a:t>04/04/2022</a:t>
             </a:fld>
             <a:endParaRPr lang="en-GB"/>
           </a:p>
@@ -4500,7 +4501,7 @@
           <a:p>
             <a:fld id="{473C580F-1C05-4F22-B344-C8576F46DB1E}" type="datetimeFigureOut">
               <a:rPr lang="en-GB" smtClean="0"/>
-              <a:t>31/03/2022</a:t>
+              <a:t>04/04/2022</a:t>
             </a:fld>
             <a:endParaRPr lang="en-GB"/>
           </a:p>
@@ -4618,7 +4619,7 @@
           <a:p>
             <a:fld id="{473C580F-1C05-4F22-B344-C8576F46DB1E}" type="datetimeFigureOut">
               <a:rPr lang="en-GB" smtClean="0"/>
-              <a:t>31/03/2022</a:t>
+              <a:t>04/04/2022</a:t>
             </a:fld>
             <a:endParaRPr lang="en-GB"/>
           </a:p>
@@ -4713,7 +4714,7 @@
           <a:p>
             <a:fld id="{473C580F-1C05-4F22-B344-C8576F46DB1E}" type="datetimeFigureOut">
               <a:rPr lang="en-GB" smtClean="0"/>
-              <a:t>31/03/2022</a:t>
+              <a:t>04/04/2022</a:t>
             </a:fld>
             <a:endParaRPr lang="en-GB"/>
           </a:p>
@@ -4992,7 +4993,7 @@
           <a:p>
             <a:fld id="{473C580F-1C05-4F22-B344-C8576F46DB1E}" type="datetimeFigureOut">
               <a:rPr lang="en-GB" smtClean="0"/>
-              <a:t>31/03/2022</a:t>
+              <a:t>04/04/2022</a:t>
             </a:fld>
             <a:endParaRPr lang="en-GB"/>
           </a:p>
@@ -5267,7 +5268,7 @@
           <a:p>
             <a:fld id="{473C580F-1C05-4F22-B344-C8576F46DB1E}" type="datetimeFigureOut">
               <a:rPr lang="en-GB" smtClean="0"/>
-              <a:t>31/03/2022</a:t>
+              <a:t>04/04/2022</a:t>
             </a:fld>
             <a:endParaRPr lang="en-GB"/>
           </a:p>
@@ -5696,7 +5697,7 @@
           <a:p>
             <a:fld id="{473C580F-1C05-4F22-B344-C8576F46DB1E}" type="datetimeFigureOut">
               <a:rPr lang="en-GB" smtClean="0"/>
-              <a:t>31/03/2022</a:t>
+              <a:t>04/04/2022</a:t>
             </a:fld>
             <a:endParaRPr lang="en-GB"/>
           </a:p>
@@ -7904,8 +7905,8 @@
           </a:p>
         </p:txBody>
       </p:sp>
-      <mc:AlternateContent xmlns:mc="http://schemas.openxmlformats.org/markup-compatibility/2006">
-        <mc:Choice xmlns:p14="http://schemas.microsoft.com/office/powerpoint/2010/main" Requires="p14">
+      <mc:AlternateContent xmlns:mc="http://schemas.openxmlformats.org/markup-compatibility/2006" xmlns:p14="http://schemas.microsoft.com/office/powerpoint/2010/main">
+        <mc:Choice Requires="p14">
           <p:contentPart p14:bwMode="auto" r:id="rId2">
             <p14:nvContentPartPr>
               <p14:cNvPr id="4" name="Ink 3"/>
@@ -7918,7 +7919,7 @@
             </p14:xfrm>
           </p:contentPart>
         </mc:Choice>
-        <mc:Fallback>
+        <mc:Fallback xmlns="">
           <p:pic>
             <p:nvPicPr>
               <p:cNvPr id="4" name="Ink 3"/>
@@ -8273,8 +8274,8 @@
           </a:p>
         </p:txBody>
       </p:sp>
-      <mc:AlternateContent xmlns:mc="http://schemas.openxmlformats.org/markup-compatibility/2006">
-        <mc:Choice xmlns:p14="http://schemas.microsoft.com/office/powerpoint/2010/main" Requires="p14">
+      <mc:AlternateContent xmlns:mc="http://schemas.openxmlformats.org/markup-compatibility/2006" xmlns:p14="http://schemas.microsoft.com/office/powerpoint/2010/main">
+        <mc:Choice Requires="p14">
           <p:contentPart p14:bwMode="auto" r:id="rId2">
             <p14:nvContentPartPr>
               <p14:cNvPr id="4" name="Ink 3"/>
@@ -8287,7 +8288,7 @@
             </p14:xfrm>
           </p:contentPart>
         </mc:Choice>
-        <mc:Fallback>
+        <mc:Fallback xmlns="">
           <p:pic>
             <p:nvPicPr>
               <p:cNvPr id="4" name="Ink 3"/>
@@ -12690,6 +12691,163 @@
     <p:extLst>
       <p:ext uri="{BB962C8B-B14F-4D97-AF65-F5344CB8AC3E}">
         <p14:creationId xmlns:p14="http://schemas.microsoft.com/office/powerpoint/2010/main" val="2356711073"/>
+      </p:ext>
+    </p:extLst>
+  </p:cSld>
+  <p:clrMapOvr>
+    <a:masterClrMapping/>
+  </p:clrMapOvr>
+</p:sld>
+</file>
+
+<file path=ppt/slides/slide35.xml><?xml version="1.0" encoding="utf-8"?>
+<p:sld xmlns:a="http://schemas.openxmlformats.org/drawingml/2006/main" xmlns:r="http://schemas.openxmlformats.org/officeDocument/2006/relationships" xmlns:p="http://schemas.openxmlformats.org/presentationml/2006/main">
+  <p:cSld>
+    <p:spTree>
+      <p:nvGrpSpPr>
+        <p:cNvPr id="1" name=""/>
+        <p:cNvGrpSpPr/>
+        <p:nvPr/>
+      </p:nvGrpSpPr>
+      <p:grpSpPr>
+        <a:xfrm>
+          <a:off x="0" y="0"/>
+          <a:ext cx="0" cy="0"/>
+          <a:chOff x="0" y="0"/>
+          <a:chExt cx="0" cy="0"/>
+        </a:xfrm>
+      </p:grpSpPr>
+      <p:sp>
+        <p:nvSpPr>
+          <p:cNvPr id="2" name="Title 1"/>
+          <p:cNvSpPr>
+            <a:spLocks noGrp="1"/>
+          </p:cNvSpPr>
+          <p:nvPr>
+            <p:ph type="title"/>
+          </p:nvPr>
+        </p:nvSpPr>
+        <p:spPr/>
+        <p:txBody>
+          <a:bodyPr/>
+          <a:lstStyle/>
+          <a:p>
+            <a:r>
+              <a:rPr lang="en-US" dirty="0"/>
+              <a:t>Python - Tkinter Button</a:t>
+            </a:r>
+            <a:br>
+              <a:rPr lang="en-US" dirty="0"/>
+            </a:br>
+            <a:endParaRPr lang="en-US" dirty="0"/>
+          </a:p>
+        </p:txBody>
+      </p:sp>
+      <p:sp>
+        <p:nvSpPr>
+          <p:cNvPr id="3" name="Content Placeholder 2"/>
+          <p:cNvSpPr>
+            <a:spLocks noGrp="1"/>
+          </p:cNvSpPr>
+          <p:nvPr>
+            <p:ph idx="1"/>
+          </p:nvPr>
+        </p:nvSpPr>
+        <p:spPr/>
+        <p:txBody>
+          <a:bodyPr>
+            <a:normAutofit fontScale="92500" lnSpcReduction="10000"/>
+          </a:bodyPr>
+          <a:lstStyle/>
+          <a:p>
+            <a:r>
+              <a:rPr lang="en-US" dirty="0"/>
+              <a:t>The Button widget is used to add buttons in a Python application. These buttons can display text or images that convey the purpose of the buttons. You can attach a function or a method to a button which is called automatically when you click the button.</a:t>
+            </a:r>
+          </a:p>
+          <a:p>
+            <a:endParaRPr lang="en-US" dirty="0"/>
+          </a:p>
+          <a:p>
+            <a:r>
+              <a:rPr lang="en-US" dirty="0" smtClean="0"/>
+              <a:t>Syntax</a:t>
+            </a:r>
+          </a:p>
+          <a:p>
+            <a:pPr marL="0" indent="0">
+              <a:buNone/>
+            </a:pPr>
+            <a:r>
+              <a:rPr lang="en-US" dirty="0" smtClean="0"/>
+              <a:t>Here </a:t>
+            </a:r>
+            <a:r>
+              <a:rPr lang="en-US" dirty="0"/>
+              <a:t>is the simple syntax to create this widget −</a:t>
+            </a:r>
+          </a:p>
+          <a:p>
+            <a:pPr marL="0" indent="0">
+              <a:buNone/>
+            </a:pPr>
+            <a:r>
+              <a:rPr lang="en-US" dirty="0" smtClean="0"/>
+              <a:t>w </a:t>
+            </a:r>
+            <a:r>
+              <a:rPr lang="en-US" dirty="0"/>
+              <a:t>= Button ( master, option=value, ... )</a:t>
+            </a:r>
+          </a:p>
+          <a:p>
+            <a:pPr marL="0" indent="0">
+              <a:buNone/>
+            </a:pPr>
+            <a:r>
+              <a:rPr lang="en-US" dirty="0"/>
+              <a:t>Parameters</a:t>
+            </a:r>
+          </a:p>
+          <a:p>
+            <a:pPr marL="0" indent="0">
+              <a:buNone/>
+            </a:pPr>
+            <a:r>
+              <a:rPr lang="en-US" b="1" dirty="0"/>
+              <a:t>master </a:t>
+            </a:r>
+            <a:r>
+              <a:rPr lang="en-US" dirty="0"/>
+              <a:t>− This represents the parent window.</a:t>
+            </a:r>
+          </a:p>
+          <a:p>
+            <a:pPr marL="0" indent="0">
+              <a:buNone/>
+            </a:pPr>
+            <a:r>
+              <a:rPr lang="en-US" b="1" dirty="0" smtClean="0"/>
+              <a:t>options</a:t>
+            </a:r>
+            <a:r>
+              <a:rPr lang="en-US" dirty="0" smtClean="0"/>
+              <a:t> </a:t>
+            </a:r>
+            <a:r>
+              <a:rPr lang="en-US" dirty="0"/>
+              <a:t>− Here is the list of most commonly used options for this widget. These options can be used as key-value pairs separated by commas.</a:t>
+            </a:r>
+          </a:p>
+          <a:p>
+            <a:endParaRPr lang="en-US" dirty="0"/>
+          </a:p>
+        </p:txBody>
+      </p:sp>
+    </p:spTree>
+    <p:extLst>
+      <p:ext uri="{BB962C8B-B14F-4D97-AF65-F5344CB8AC3E}">
+        <p14:creationId xmlns:p14="http://schemas.microsoft.com/office/powerpoint/2010/main" val="4236640666"/>
       </p:ext>
     </p:extLst>
   </p:cSld>
